--- a/Mini_Project_1_Spec.pptx
+++ b/Mini_Project_1_Spec.pptx
@@ -227,7 +227,7 @@
           <a:p>
             <a:fld id="{1AE05898-1BB8-4101-94F6-1B939E390606}" type="datetimeFigureOut">
               <a:rPr lang="en-US" smtClean="0"/>
-              <a:t>3/26/21</a:t>
+              <a:t>4/11/2021</a:t>
             </a:fld>
             <a:endParaRPr lang="en-US"/>
           </a:p>
@@ -625,7 +625,7 @@
           <a:p>
             <a:fld id="{90493721-E6EC-4D6F-8D32-F9C3B5066E91}" type="datetime1">
               <a:rPr lang="zh-TW" altLang="en-US" smtClean="0"/>
-              <a:t>2021/3/26</a:t>
+              <a:t>2021/4/11</a:t>
             </a:fld>
             <a:endParaRPr lang="zh-TW" altLang="en-US"/>
           </a:p>
@@ -795,7 +795,7 @@
           <a:p>
             <a:fld id="{8B3EC51C-5365-4D5B-8D22-7208D05294A9}" type="datetime1">
               <a:rPr lang="zh-TW" altLang="en-US" smtClean="0"/>
-              <a:t>2021/3/26</a:t>
+              <a:t>2021/4/11</a:t>
             </a:fld>
             <a:endParaRPr lang="zh-TW" altLang="en-US"/>
           </a:p>
@@ -975,7 +975,7 @@
           <a:p>
             <a:fld id="{653C3A4A-61A8-4E00-BD2D-110189A25BEF}" type="datetime1">
               <a:rPr lang="zh-TW" altLang="en-US" smtClean="0"/>
-              <a:t>2021/3/26</a:t>
+              <a:t>2021/4/11</a:t>
             </a:fld>
             <a:endParaRPr lang="zh-TW" altLang="en-US"/>
           </a:p>
@@ -1145,7 +1145,7 @@
           <a:p>
             <a:fld id="{78918802-65C9-4683-8D7F-D18CC9202BDA}" type="datetime1">
               <a:rPr lang="zh-TW" altLang="en-US" smtClean="0"/>
-              <a:t>2021/3/26</a:t>
+              <a:t>2021/4/11</a:t>
             </a:fld>
             <a:endParaRPr lang="zh-TW" altLang="en-US"/>
           </a:p>
@@ -1389,7 +1389,7 @@
           <a:p>
             <a:fld id="{FA64460F-3590-4EF6-8A50-B8603C78E401}" type="datetime1">
               <a:rPr lang="zh-TW" altLang="en-US" smtClean="0"/>
-              <a:t>2021/3/26</a:t>
+              <a:t>2021/4/11</a:t>
             </a:fld>
             <a:endParaRPr lang="zh-TW" altLang="en-US"/>
           </a:p>
@@ -1621,7 +1621,7 @@
           <a:p>
             <a:fld id="{361E6523-F4F3-4B32-8B6A-C04AD6141799}" type="datetime1">
               <a:rPr lang="zh-TW" altLang="en-US" smtClean="0"/>
-              <a:t>2021/3/26</a:t>
+              <a:t>2021/4/11</a:t>
             </a:fld>
             <a:endParaRPr lang="zh-TW" altLang="en-US"/>
           </a:p>
@@ -1988,7 +1988,7 @@
           <a:p>
             <a:fld id="{C9956E1D-7B71-4FE5-A9DC-A0DBB56D4CF8}" type="datetime1">
               <a:rPr lang="zh-TW" altLang="en-US" smtClean="0"/>
-              <a:t>2021/3/26</a:t>
+              <a:t>2021/4/11</a:t>
             </a:fld>
             <a:endParaRPr lang="zh-TW" altLang="en-US"/>
           </a:p>
@@ -2106,7 +2106,7 @@
           <a:p>
             <a:fld id="{9C5D63D3-FFCD-43F5-855D-76C0B34F0C5A}" type="datetime1">
               <a:rPr lang="zh-TW" altLang="en-US" smtClean="0"/>
-              <a:t>2021/3/26</a:t>
+              <a:t>2021/4/11</a:t>
             </a:fld>
             <a:endParaRPr lang="zh-TW" altLang="en-US"/>
           </a:p>
@@ -2201,7 +2201,7 @@
           <a:p>
             <a:fld id="{8176738F-E467-492E-9B48-D4837F88FC19}" type="datetime1">
               <a:rPr lang="zh-TW" altLang="en-US" smtClean="0"/>
-              <a:t>2021/3/26</a:t>
+              <a:t>2021/4/11</a:t>
             </a:fld>
             <a:endParaRPr lang="zh-TW" altLang="en-US"/>
           </a:p>
@@ -2478,7 +2478,7 @@
           <a:p>
             <a:fld id="{10FF3F70-74EB-4D3C-ACE1-B3A865FE8069}" type="datetime1">
               <a:rPr lang="zh-TW" altLang="en-US" smtClean="0"/>
-              <a:t>2021/3/26</a:t>
+              <a:t>2021/4/11</a:t>
             </a:fld>
             <a:endParaRPr lang="zh-TW" altLang="en-US"/>
           </a:p>
@@ -2735,7 +2735,7 @@
           <a:p>
             <a:fld id="{22FA2502-4279-4E6F-850C-59603E3ACD66}" type="datetime1">
               <a:rPr lang="zh-TW" altLang="en-US" smtClean="0"/>
-              <a:t>2021/3/26</a:t>
+              <a:t>2021/4/11</a:t>
             </a:fld>
             <a:endParaRPr lang="zh-TW" altLang="en-US"/>
           </a:p>
@@ -2948,7 +2948,7 @@
           <a:p>
             <a:fld id="{1E69A5DB-44E8-4EFC-A112-74991914D3A5}" type="datetime1">
               <a:rPr lang="zh-TW" altLang="en-US" smtClean="0"/>
-              <a:t>2021/3/26</a:t>
+              <a:t>2021/4/11</a:t>
             </a:fld>
             <a:endParaRPr lang="zh-TW" altLang="en-US"/>
           </a:p>
@@ -8445,7 +8445,7 @@
           <a:p>
             <a:r>
               <a:rPr lang="en-US" altLang="zh-TW" dirty="0"/>
-              <a:t>Make sure your code can accept variable names with multiple characters, numbers and underscores</a:t>
+              <a:t>(done)Make sure your code can accept variable names with multiple characters, numbers and underscores</a:t>
             </a:r>
           </a:p>
           <a:p>
